--- a/assets/ppt/RC_Circuit.pptx
+++ b/assets/ppt/RC_Circuit.pptx
@@ -6,6 +6,13 @@
   </p:sldMasterIdLst>
   <p:sldIdLst>
     <p:sldId id="256" r:id="rId2"/>
+    <p:sldId id="257" r:id="rId3"/>
+    <p:sldId id="258" r:id="rId4"/>
+    <p:sldId id="259" r:id="rId5"/>
+    <p:sldId id="260" r:id="rId6"/>
+    <p:sldId id="261" r:id="rId7"/>
+    <p:sldId id="262" r:id="rId8"/>
+    <p:sldId id="263" r:id="rId9"/>
   </p:sldIdLst>
   <p:sldSz cx="12192000" cy="6858000"/>
   <p:notesSz cx="6858000" cy="9144000"/>
@@ -3343,7 +3350,7 @@
         </p:blipFill>
         <p:spPr>
           <a:xfrm>
-            <a:off x="560140" y="731904"/>
+            <a:off x="667143" y="483847"/>
             <a:ext cx="6843134" cy="2225306"/>
           </a:xfrm>
           <a:prstGeom prst="rect">
@@ -3355,6 +3362,477 @@
     <p:extLst>
       <p:ext uri="{BB962C8B-B14F-4D97-AF65-F5344CB8AC3E}">
         <p14:creationId xmlns:p14="http://schemas.microsoft.com/office/powerpoint/2010/main" val="1024494074"/>
+      </p:ext>
+    </p:extLst>
+  </p:cSld>
+  <p:clrMapOvr>
+    <a:masterClrMapping/>
+  </p:clrMapOvr>
+</p:sld>
+</file>
+
+<file path=ppt/slides/slide2.xml><?xml version="1.0" encoding="utf-8"?>
+<p:sld xmlns:a="http://schemas.openxmlformats.org/drawingml/2006/main" xmlns:r="http://schemas.openxmlformats.org/officeDocument/2006/relationships" xmlns:p="http://schemas.openxmlformats.org/presentationml/2006/main">
+  <p:cSld>
+    <p:spTree>
+      <p:nvGrpSpPr>
+        <p:cNvPr id="1" name=""/>
+        <p:cNvGrpSpPr/>
+        <p:nvPr/>
+      </p:nvGrpSpPr>
+      <p:grpSpPr>
+        <a:xfrm>
+          <a:off x="0" y="0"/>
+          <a:ext cx="0" cy="0"/>
+          <a:chOff x="0" y="0"/>
+          <a:chExt cx="0" cy="0"/>
+        </a:xfrm>
+      </p:grpSpPr>
+      <p:pic>
+        <p:nvPicPr>
+          <p:cNvPr id="2" name="그림 1">
+            <a:extLst>
+              <a:ext uri="{FF2B5EF4-FFF2-40B4-BE49-F238E27FC236}">
+                <a16:creationId xmlns:a16="http://schemas.microsoft.com/office/drawing/2014/main" id="{C3FCBF13-2C64-4760-9579-A17DCA9F727A}"/>
+              </a:ext>
+            </a:extLst>
+          </p:cNvPr>
+          <p:cNvPicPr>
+            <a:picLocks noChangeAspect="1"/>
+          </p:cNvPicPr>
+          <p:nvPr/>
+        </p:nvPicPr>
+        <p:blipFill>
+          <a:blip r:embed="rId2"/>
+          <a:stretch>
+            <a:fillRect/>
+          </a:stretch>
+        </p:blipFill>
+        <p:spPr>
+          <a:xfrm>
+            <a:off x="933216" y="1158344"/>
+            <a:ext cx="5552723" cy="2868907"/>
+          </a:xfrm>
+          <a:prstGeom prst="rect">
+            <a:avLst/>
+          </a:prstGeom>
+        </p:spPr>
+      </p:pic>
+    </p:spTree>
+    <p:extLst>
+      <p:ext uri="{BB962C8B-B14F-4D97-AF65-F5344CB8AC3E}">
+        <p14:creationId xmlns:p14="http://schemas.microsoft.com/office/powerpoint/2010/main" val="4251280297"/>
+      </p:ext>
+    </p:extLst>
+  </p:cSld>
+  <p:clrMapOvr>
+    <a:masterClrMapping/>
+  </p:clrMapOvr>
+</p:sld>
+</file>
+
+<file path=ppt/slides/slide3.xml><?xml version="1.0" encoding="utf-8"?>
+<p:sld xmlns:a="http://schemas.openxmlformats.org/drawingml/2006/main" xmlns:r="http://schemas.openxmlformats.org/officeDocument/2006/relationships" xmlns:p="http://schemas.openxmlformats.org/presentationml/2006/main">
+  <p:cSld>
+    <p:spTree>
+      <p:nvGrpSpPr>
+        <p:cNvPr id="1" name=""/>
+        <p:cNvGrpSpPr/>
+        <p:nvPr/>
+      </p:nvGrpSpPr>
+      <p:grpSpPr>
+        <a:xfrm>
+          <a:off x="0" y="0"/>
+          <a:ext cx="0" cy="0"/>
+          <a:chOff x="0" y="0"/>
+          <a:chExt cx="0" cy="0"/>
+        </a:xfrm>
+      </p:grpSpPr>
+      <p:pic>
+        <p:nvPicPr>
+          <p:cNvPr id="3" name="그림 2">
+            <a:extLst>
+              <a:ext uri="{FF2B5EF4-FFF2-40B4-BE49-F238E27FC236}">
+                <a16:creationId xmlns:a16="http://schemas.microsoft.com/office/drawing/2014/main" id="{A73A97C3-2FBA-4A2C-96F4-C674C2A0D0C8}"/>
+              </a:ext>
+            </a:extLst>
+          </p:cNvPr>
+          <p:cNvPicPr>
+            <a:picLocks noChangeAspect="1"/>
+          </p:cNvPicPr>
+          <p:nvPr/>
+        </p:nvPicPr>
+        <p:blipFill>
+          <a:blip r:embed="rId2"/>
+          <a:stretch>
+            <a:fillRect/>
+          </a:stretch>
+        </p:blipFill>
+        <p:spPr>
+          <a:xfrm>
+            <a:off x="612476" y="611130"/>
+            <a:ext cx="6197676" cy="3143748"/>
+          </a:xfrm>
+          <a:prstGeom prst="rect">
+            <a:avLst/>
+          </a:prstGeom>
+        </p:spPr>
+      </p:pic>
+    </p:spTree>
+    <p:extLst>
+      <p:ext uri="{BB962C8B-B14F-4D97-AF65-F5344CB8AC3E}">
+        <p14:creationId xmlns:p14="http://schemas.microsoft.com/office/powerpoint/2010/main" val="3425833252"/>
+      </p:ext>
+    </p:extLst>
+  </p:cSld>
+  <p:clrMapOvr>
+    <a:masterClrMapping/>
+  </p:clrMapOvr>
+</p:sld>
+</file>
+
+<file path=ppt/slides/slide4.xml><?xml version="1.0" encoding="utf-8"?>
+<p:sld xmlns:a="http://schemas.openxmlformats.org/drawingml/2006/main" xmlns:r="http://schemas.openxmlformats.org/officeDocument/2006/relationships" xmlns:p="http://schemas.openxmlformats.org/presentationml/2006/main">
+  <p:cSld>
+    <p:spTree>
+      <p:nvGrpSpPr>
+        <p:cNvPr id="1" name=""/>
+        <p:cNvGrpSpPr/>
+        <p:nvPr/>
+      </p:nvGrpSpPr>
+      <p:grpSpPr>
+        <a:xfrm>
+          <a:off x="0" y="0"/>
+          <a:ext cx="0" cy="0"/>
+          <a:chOff x="0" y="0"/>
+          <a:chExt cx="0" cy="0"/>
+        </a:xfrm>
+      </p:grpSpPr>
+      <p:pic>
+        <p:nvPicPr>
+          <p:cNvPr id="3" name="그림 2">
+            <a:extLst>
+              <a:ext uri="{FF2B5EF4-FFF2-40B4-BE49-F238E27FC236}">
+                <a16:creationId xmlns:a16="http://schemas.microsoft.com/office/drawing/2014/main" id="{43EA5CB2-6A16-4E41-A98E-74AD71843774}"/>
+              </a:ext>
+            </a:extLst>
+          </p:cNvPr>
+          <p:cNvPicPr>
+            <a:picLocks noChangeAspect="1"/>
+          </p:cNvPicPr>
+          <p:nvPr/>
+        </p:nvPicPr>
+        <p:blipFill>
+          <a:blip r:embed="rId2"/>
+          <a:stretch>
+            <a:fillRect/>
+          </a:stretch>
+        </p:blipFill>
+        <p:spPr>
+          <a:xfrm>
+            <a:off x="2273029" y="1340361"/>
+            <a:ext cx="5633967" cy="2628524"/>
+          </a:xfrm>
+          <a:prstGeom prst="rect">
+            <a:avLst/>
+          </a:prstGeom>
+        </p:spPr>
+      </p:pic>
+    </p:spTree>
+    <p:extLst>
+      <p:ext uri="{BB962C8B-B14F-4D97-AF65-F5344CB8AC3E}">
+        <p14:creationId xmlns:p14="http://schemas.microsoft.com/office/powerpoint/2010/main" val="2378045351"/>
+      </p:ext>
+    </p:extLst>
+  </p:cSld>
+  <p:clrMapOvr>
+    <a:masterClrMapping/>
+  </p:clrMapOvr>
+</p:sld>
+</file>
+
+<file path=ppt/slides/slide5.xml><?xml version="1.0" encoding="utf-8"?>
+<p:sld xmlns:a="http://schemas.openxmlformats.org/drawingml/2006/main" xmlns:r="http://schemas.openxmlformats.org/officeDocument/2006/relationships" xmlns:p="http://schemas.openxmlformats.org/presentationml/2006/main">
+  <p:cSld>
+    <p:spTree>
+      <p:nvGrpSpPr>
+        <p:cNvPr id="1" name=""/>
+        <p:cNvGrpSpPr/>
+        <p:nvPr/>
+      </p:nvGrpSpPr>
+      <p:grpSpPr>
+        <a:xfrm>
+          <a:off x="0" y="0"/>
+          <a:ext cx="0" cy="0"/>
+          <a:chOff x="0" y="0"/>
+          <a:chExt cx="0" cy="0"/>
+        </a:xfrm>
+      </p:grpSpPr>
+      <p:pic>
+        <p:nvPicPr>
+          <p:cNvPr id="3" name="그림 2">
+            <a:extLst>
+              <a:ext uri="{FF2B5EF4-FFF2-40B4-BE49-F238E27FC236}">
+                <a16:creationId xmlns:a16="http://schemas.microsoft.com/office/drawing/2014/main" id="{A5C2D332-58F9-4670-8933-80294296F01A}"/>
+              </a:ext>
+            </a:extLst>
+          </p:cNvPr>
+          <p:cNvPicPr>
+            <a:picLocks noChangeAspect="1"/>
+          </p:cNvPicPr>
+          <p:nvPr/>
+        </p:nvPicPr>
+        <p:blipFill>
+          <a:blip r:embed="rId2"/>
+          <a:stretch>
+            <a:fillRect/>
+          </a:stretch>
+        </p:blipFill>
+        <p:spPr>
+          <a:xfrm>
+            <a:off x="2153520" y="0"/>
+            <a:ext cx="7884959" cy="6858000"/>
+          </a:xfrm>
+          <a:prstGeom prst="rect">
+            <a:avLst/>
+          </a:prstGeom>
+        </p:spPr>
+      </p:pic>
+    </p:spTree>
+    <p:extLst>
+      <p:ext uri="{BB962C8B-B14F-4D97-AF65-F5344CB8AC3E}">
+        <p14:creationId xmlns:p14="http://schemas.microsoft.com/office/powerpoint/2010/main" val="2239654020"/>
+      </p:ext>
+    </p:extLst>
+  </p:cSld>
+  <p:clrMapOvr>
+    <a:masterClrMapping/>
+  </p:clrMapOvr>
+</p:sld>
+</file>
+
+<file path=ppt/slides/slide6.xml><?xml version="1.0" encoding="utf-8"?>
+<p:sld xmlns:a="http://schemas.openxmlformats.org/drawingml/2006/main" xmlns:r="http://schemas.openxmlformats.org/officeDocument/2006/relationships" xmlns:p="http://schemas.openxmlformats.org/presentationml/2006/main">
+  <p:cSld>
+    <p:spTree>
+      <p:nvGrpSpPr>
+        <p:cNvPr id="1" name=""/>
+        <p:cNvGrpSpPr/>
+        <p:nvPr/>
+      </p:nvGrpSpPr>
+      <p:grpSpPr>
+        <a:xfrm>
+          <a:off x="0" y="0"/>
+          <a:ext cx="0" cy="0"/>
+          <a:chOff x="0" y="0"/>
+          <a:chExt cx="0" cy="0"/>
+        </a:xfrm>
+      </p:grpSpPr>
+      <p:grpSp>
+        <p:nvGrpSpPr>
+          <p:cNvPr id="6" name="그룹 5">
+            <a:extLst>
+              <a:ext uri="{FF2B5EF4-FFF2-40B4-BE49-F238E27FC236}">
+                <a16:creationId xmlns:a16="http://schemas.microsoft.com/office/drawing/2014/main" id="{DFCE4CF5-E1FF-41F4-BDBF-FE259FA97EA4}"/>
+              </a:ext>
+            </a:extLst>
+          </p:cNvPr>
+          <p:cNvGrpSpPr/>
+          <p:nvPr/>
+        </p:nvGrpSpPr>
+        <p:grpSpPr>
+          <a:xfrm>
+            <a:off x="4490969" y="2306962"/>
+            <a:ext cx="3466258" cy="3315625"/>
+            <a:chOff x="4490969" y="2306962"/>
+            <a:chExt cx="3466258" cy="3315625"/>
+          </a:xfrm>
+        </p:grpSpPr>
+        <p:pic>
+          <p:nvPicPr>
+            <p:cNvPr id="3" name="그림 2">
+              <a:extLst>
+                <a:ext uri="{FF2B5EF4-FFF2-40B4-BE49-F238E27FC236}">
+                  <a16:creationId xmlns:a16="http://schemas.microsoft.com/office/drawing/2014/main" id="{BC72E1EB-D359-4368-A400-1F1665AE1DA9}"/>
+                </a:ext>
+              </a:extLst>
+            </p:cNvPr>
+            <p:cNvPicPr>
+              <a:picLocks noChangeAspect="1"/>
+            </p:cNvPicPr>
+            <p:nvPr/>
+          </p:nvPicPr>
+          <p:blipFill>
+            <a:blip r:embed="rId2"/>
+            <a:stretch>
+              <a:fillRect/>
+            </a:stretch>
+          </p:blipFill>
+          <p:spPr>
+            <a:xfrm>
+              <a:off x="4490969" y="4899047"/>
+              <a:ext cx="3466258" cy="723540"/>
+            </a:xfrm>
+            <a:prstGeom prst="rect">
+              <a:avLst/>
+            </a:prstGeom>
+          </p:spPr>
+        </p:pic>
+        <p:pic>
+          <p:nvPicPr>
+            <p:cNvPr id="5" name="그림 4">
+              <a:extLst>
+                <a:ext uri="{FF2B5EF4-FFF2-40B4-BE49-F238E27FC236}">
+                  <a16:creationId xmlns:a16="http://schemas.microsoft.com/office/drawing/2014/main" id="{41D94EC5-A81D-4644-939F-E69767E4CC9C}"/>
+                </a:ext>
+              </a:extLst>
+            </p:cNvPr>
+            <p:cNvPicPr>
+              <a:picLocks noChangeAspect="1"/>
+            </p:cNvPicPr>
+            <p:nvPr/>
+          </p:nvPicPr>
+          <p:blipFill>
+            <a:blip r:embed="rId3"/>
+            <a:stretch>
+              <a:fillRect/>
+            </a:stretch>
+          </p:blipFill>
+          <p:spPr>
+            <a:xfrm>
+              <a:off x="4683520" y="2306962"/>
+              <a:ext cx="3081156" cy="2592085"/>
+            </a:xfrm>
+            <a:prstGeom prst="rect">
+              <a:avLst/>
+            </a:prstGeom>
+          </p:spPr>
+        </p:pic>
+      </p:grpSp>
+    </p:spTree>
+    <p:extLst>
+      <p:ext uri="{BB962C8B-B14F-4D97-AF65-F5344CB8AC3E}">
+        <p14:creationId xmlns:p14="http://schemas.microsoft.com/office/powerpoint/2010/main" val="1926300790"/>
+      </p:ext>
+    </p:extLst>
+  </p:cSld>
+  <p:clrMapOvr>
+    <a:masterClrMapping/>
+  </p:clrMapOvr>
+</p:sld>
+</file>
+
+<file path=ppt/slides/slide7.xml><?xml version="1.0" encoding="utf-8"?>
+<p:sld xmlns:a="http://schemas.openxmlformats.org/drawingml/2006/main" xmlns:r="http://schemas.openxmlformats.org/officeDocument/2006/relationships" xmlns:p="http://schemas.openxmlformats.org/presentationml/2006/main">
+  <p:cSld>
+    <p:spTree>
+      <p:nvGrpSpPr>
+        <p:cNvPr id="1" name=""/>
+        <p:cNvGrpSpPr/>
+        <p:nvPr/>
+      </p:nvGrpSpPr>
+      <p:grpSpPr>
+        <a:xfrm>
+          <a:off x="0" y="0"/>
+          <a:ext cx="0" cy="0"/>
+          <a:chOff x="0" y="0"/>
+          <a:chExt cx="0" cy="0"/>
+        </a:xfrm>
+      </p:grpSpPr>
+      <p:pic>
+        <p:nvPicPr>
+          <p:cNvPr id="3" name="그림 2">
+            <a:extLst>
+              <a:ext uri="{FF2B5EF4-FFF2-40B4-BE49-F238E27FC236}">
+                <a16:creationId xmlns:a16="http://schemas.microsoft.com/office/drawing/2014/main" id="{301296AA-CCE6-43B1-AF27-56D39D7AF06D}"/>
+              </a:ext>
+            </a:extLst>
+          </p:cNvPr>
+          <p:cNvPicPr>
+            <a:picLocks noChangeAspect="1"/>
+          </p:cNvPicPr>
+          <p:nvPr/>
+        </p:nvPicPr>
+        <p:blipFill>
+          <a:blip r:embed="rId2"/>
+          <a:stretch>
+            <a:fillRect/>
+          </a:stretch>
+        </p:blipFill>
+        <p:spPr>
+          <a:xfrm>
+            <a:off x="1304925" y="1709737"/>
+            <a:ext cx="9582150" cy="3438525"/>
+          </a:xfrm>
+          <a:prstGeom prst="rect">
+            <a:avLst/>
+          </a:prstGeom>
+        </p:spPr>
+      </p:pic>
+    </p:spTree>
+    <p:extLst>
+      <p:ext uri="{BB962C8B-B14F-4D97-AF65-F5344CB8AC3E}">
+        <p14:creationId xmlns:p14="http://schemas.microsoft.com/office/powerpoint/2010/main" val="3334225479"/>
+      </p:ext>
+    </p:extLst>
+  </p:cSld>
+  <p:clrMapOvr>
+    <a:masterClrMapping/>
+  </p:clrMapOvr>
+</p:sld>
+</file>
+
+<file path=ppt/slides/slide8.xml><?xml version="1.0" encoding="utf-8"?>
+<p:sld xmlns:a="http://schemas.openxmlformats.org/drawingml/2006/main" xmlns:r="http://schemas.openxmlformats.org/officeDocument/2006/relationships" xmlns:p="http://schemas.openxmlformats.org/presentationml/2006/main">
+  <p:cSld>
+    <p:spTree>
+      <p:nvGrpSpPr>
+        <p:cNvPr id="1" name=""/>
+        <p:cNvGrpSpPr/>
+        <p:nvPr/>
+      </p:nvGrpSpPr>
+      <p:grpSpPr>
+        <a:xfrm>
+          <a:off x="0" y="0"/>
+          <a:ext cx="0" cy="0"/>
+          <a:chOff x="0" y="0"/>
+          <a:chExt cx="0" cy="0"/>
+        </a:xfrm>
+      </p:grpSpPr>
+      <p:pic>
+        <p:nvPicPr>
+          <p:cNvPr id="3" name="그림 2">
+            <a:extLst>
+              <a:ext uri="{FF2B5EF4-FFF2-40B4-BE49-F238E27FC236}">
+                <a16:creationId xmlns:a16="http://schemas.microsoft.com/office/drawing/2014/main" id="{2517F372-D960-4CD9-B3F3-C480C4878419}"/>
+              </a:ext>
+            </a:extLst>
+          </p:cNvPr>
+          <p:cNvPicPr>
+            <a:picLocks noChangeAspect="1"/>
+          </p:cNvPicPr>
+          <p:nvPr/>
+        </p:nvPicPr>
+        <p:blipFill>
+          <a:blip r:embed="rId2"/>
+          <a:stretch>
+            <a:fillRect/>
+          </a:stretch>
+        </p:blipFill>
+        <p:spPr>
+          <a:xfrm>
+            <a:off x="4310494" y="2321417"/>
+            <a:ext cx="1785505" cy="1599515"/>
+          </a:xfrm>
+          <a:prstGeom prst="rect">
+            <a:avLst/>
+          </a:prstGeom>
+        </p:spPr>
+      </p:pic>
+    </p:spTree>
+    <p:extLst>
+      <p:ext uri="{BB962C8B-B14F-4D97-AF65-F5344CB8AC3E}">
+        <p14:creationId xmlns:p14="http://schemas.microsoft.com/office/powerpoint/2010/main" val="2857629406"/>
       </p:ext>
     </p:extLst>
   </p:cSld>
